--- a/4 - Oh Worship the King.pptx
+++ b/4 - Oh Worship the King.pptx
@@ -244,7 +244,7 @@
           <a:p>
             <a:fld id="{32F7251A-AE54-443C-B8FE-5F636E835EBF}" type="datetimeFigureOut">
               <a:rPr lang="en-US" smtClean="0"/>
-              <a:t>5/6/2018</a:t>
+              <a:t>5/3/2020</a:t>
             </a:fld>
             <a:endParaRPr lang="en-US"/>
           </a:p>
@@ -412,7 +412,7 @@
           <a:p>
             <a:fld id="{32F7251A-AE54-443C-B8FE-5F636E835EBF}" type="datetimeFigureOut">
               <a:rPr lang="en-US" smtClean="0"/>
-              <a:t>5/6/2018</a:t>
+              <a:t>5/3/2020</a:t>
             </a:fld>
             <a:endParaRPr lang="en-US"/>
           </a:p>
@@ -590,7 +590,7 @@
           <a:p>
             <a:fld id="{32F7251A-AE54-443C-B8FE-5F636E835EBF}" type="datetimeFigureOut">
               <a:rPr lang="en-US" smtClean="0"/>
-              <a:t>5/6/2018</a:t>
+              <a:t>5/3/2020</a:t>
             </a:fld>
             <a:endParaRPr lang="en-US"/>
           </a:p>
@@ -758,7 +758,7 @@
           <a:p>
             <a:fld id="{32F7251A-AE54-443C-B8FE-5F636E835EBF}" type="datetimeFigureOut">
               <a:rPr lang="en-US" smtClean="0"/>
-              <a:t>5/6/2018</a:t>
+              <a:t>5/3/2020</a:t>
             </a:fld>
             <a:endParaRPr lang="en-US"/>
           </a:p>
@@ -1003,7 +1003,7 @@
           <a:p>
             <a:fld id="{32F7251A-AE54-443C-B8FE-5F636E835EBF}" type="datetimeFigureOut">
               <a:rPr lang="en-US" smtClean="0"/>
-              <a:t>5/6/2018</a:t>
+              <a:t>5/3/2020</a:t>
             </a:fld>
             <a:endParaRPr lang="en-US"/>
           </a:p>
@@ -1232,7 +1232,7 @@
           <a:p>
             <a:fld id="{32F7251A-AE54-443C-B8FE-5F636E835EBF}" type="datetimeFigureOut">
               <a:rPr lang="en-US" smtClean="0"/>
-              <a:t>5/6/2018</a:t>
+              <a:t>5/3/2020</a:t>
             </a:fld>
             <a:endParaRPr lang="en-US"/>
           </a:p>
@@ -1596,7 +1596,7 @@
           <a:p>
             <a:fld id="{32F7251A-AE54-443C-B8FE-5F636E835EBF}" type="datetimeFigureOut">
               <a:rPr lang="en-US" smtClean="0"/>
-              <a:t>5/6/2018</a:t>
+              <a:t>5/3/2020</a:t>
             </a:fld>
             <a:endParaRPr lang="en-US"/>
           </a:p>
@@ -1713,7 +1713,7 @@
           <a:p>
             <a:fld id="{32F7251A-AE54-443C-B8FE-5F636E835EBF}" type="datetimeFigureOut">
               <a:rPr lang="en-US" smtClean="0"/>
-              <a:t>5/6/2018</a:t>
+              <a:t>5/3/2020</a:t>
             </a:fld>
             <a:endParaRPr lang="en-US"/>
           </a:p>
@@ -1808,7 +1808,7 @@
           <a:p>
             <a:fld id="{32F7251A-AE54-443C-B8FE-5F636E835EBF}" type="datetimeFigureOut">
               <a:rPr lang="en-US" smtClean="0"/>
-              <a:t>5/6/2018</a:t>
+              <a:t>5/3/2020</a:t>
             </a:fld>
             <a:endParaRPr lang="en-US"/>
           </a:p>
@@ -2083,7 +2083,7 @@
           <a:p>
             <a:fld id="{32F7251A-AE54-443C-B8FE-5F636E835EBF}" type="datetimeFigureOut">
               <a:rPr lang="en-US" smtClean="0"/>
-              <a:t>5/6/2018</a:t>
+              <a:t>5/3/2020</a:t>
             </a:fld>
             <a:endParaRPr lang="en-US"/>
           </a:p>
@@ -2335,7 +2335,7 @@
           <a:p>
             <a:fld id="{32F7251A-AE54-443C-B8FE-5F636E835EBF}" type="datetimeFigureOut">
               <a:rPr lang="en-US" smtClean="0"/>
-              <a:t>5/6/2018</a:t>
+              <a:t>5/3/2020</a:t>
             </a:fld>
             <a:endParaRPr lang="en-US"/>
           </a:p>
@@ -2402,7 +2402,9 @@
     <p:bg>
       <p:bgPr>
         <a:solidFill>
-          <a:srgbClr val="333333"/>
+          <a:schemeClr val="bg1">
+            <a:lumMod val="10000"/>
+          </a:schemeClr>
         </a:solidFill>
         <a:effectLst/>
       </p:bgPr>
@@ -2549,7 +2551,7 @@
           <a:p>
             <a:fld id="{32F7251A-AE54-443C-B8FE-5F636E835EBF}" type="datetimeFigureOut">
               <a:rPr lang="en-US" smtClean="0"/>
-              <a:t>5/6/2018</a:t>
+              <a:t>5/3/2020</a:t>
             </a:fld>
             <a:endParaRPr lang="en-US"/>
           </a:p>
@@ -3031,15 +3033,23 @@
           <a:bodyPr wrap="square" rtlCol="0" anchor="ctr">
             <a:spAutoFit/>
           </a:bodyPr>
-          <a:lstStyle/>
-          <a:p>
-            <a:pPr algn="ctr"/>
-            <a:r>
-              <a:rPr lang="en-US" sz="4800" dirty="0">
+          <a:lstStyle>
+            <a:defPPr>
+              <a:defRPr lang="en-US"/>
+            </a:defPPr>
+            <a:lvl1pPr algn="ctr">
+              <a:defRPr sz="3200" u="sng">
                 <a:solidFill>
                   <a:schemeClr val="bg1"/>
                 </a:solidFill>
-              </a:rPr>
+                <a:latin typeface="Assistant SemiBold" panose="00000700000000000000" pitchFamily="2" charset="-79"/>
+                <a:cs typeface="Assistant SemiBold" panose="00000700000000000000" pitchFamily="2" charset="-79"/>
+              </a:defRPr>
+            </a:lvl1pPr>
+          </a:lstStyle>
+          <a:p>
+            <a:r>
+              <a:rPr lang="en-US" dirty="0"/>
               <a:t>“Oh, Worship the King!”</a:t>
             </a:r>
           </a:p>
@@ -3053,8 +3063,8 @@
         </p:nvSpPr>
         <p:spPr>
           <a:xfrm>
-            <a:off x="0" y="222314"/>
-            <a:ext cx="12192000" cy="5078313"/>
+            <a:off x="0" y="731302"/>
+            <a:ext cx="12192000" cy="3075453"/>
           </a:xfrm>
           <a:prstGeom prst="rect">
             <a:avLst/>
@@ -3065,100 +3075,68 @@
           <a:bodyPr wrap="square" rtlCol="0">
             <a:spAutoFit/>
           </a:bodyPr>
-          <a:lstStyle/>
-          <a:p>
-            <a:pPr algn="ctr"/>
-            <a:r>
-              <a:rPr lang="en-US" sz="3600" dirty="0">
+          <a:lstStyle>
+            <a:defPPr>
+              <a:defRPr lang="en-US"/>
+            </a:defPPr>
+            <a:lvl1pPr algn="ctr">
+              <a:defRPr sz="2800" spc="50">
                 <a:solidFill>
                   <a:schemeClr val="bg1"/>
                 </a:solidFill>
-              </a:rPr>
+                <a:latin typeface="Assistant" panose="00000500000000000000" pitchFamily="2" charset="-79"/>
+                <a:cs typeface="Assistant" panose="00000500000000000000" pitchFamily="2" charset="-79"/>
+              </a:defRPr>
+            </a:lvl1pPr>
+          </a:lstStyle>
+          <a:p>
+            <a:r>
+              <a:rPr lang="en-US" dirty="0"/>
               <a:t>Oh, worship the King,</a:t>
             </a:r>
           </a:p>
           <a:p>
-            <a:pPr algn="ctr"/>
-            <a:r>
-              <a:rPr lang="en-US" sz="3600" dirty="0">
-                <a:solidFill>
-                  <a:schemeClr val="bg1"/>
-                </a:solidFill>
-              </a:rPr>
+            <a:r>
+              <a:rPr lang="en-US" dirty="0"/>
               <a:t>All glorious above,</a:t>
             </a:r>
           </a:p>
           <a:p>
-            <a:pPr algn="ctr"/>
-            <a:r>
-              <a:rPr lang="en-US" sz="3600" dirty="0">
-                <a:solidFill>
-                  <a:schemeClr val="bg1"/>
-                </a:solidFill>
-              </a:rPr>
+            <a:r>
+              <a:rPr lang="en-US" dirty="0"/>
               <a:t>Oh, gratefully sing</a:t>
             </a:r>
           </a:p>
           <a:p>
-            <a:pPr algn="ctr"/>
-            <a:r>
-              <a:rPr lang="en-US" sz="3600" dirty="0">
-                <a:solidFill>
-                  <a:schemeClr val="bg1"/>
-                </a:solidFill>
-              </a:rPr>
+            <a:r>
+              <a:rPr lang="en-US" dirty="0"/>
               <a:t>His power and His love;</a:t>
             </a:r>
           </a:p>
           <a:p>
-            <a:pPr algn="ctr"/>
-            <a:endParaRPr lang="en-US" sz="3600" dirty="0">
-              <a:solidFill>
-                <a:schemeClr val="bg1"/>
-              </a:solidFill>
-            </a:endParaRPr>
-          </a:p>
-          <a:p>
-            <a:pPr algn="ctr"/>
-            <a:r>
-              <a:rPr lang="en-US" sz="3600" dirty="0">
-                <a:solidFill>
-                  <a:schemeClr val="bg1"/>
-                </a:solidFill>
-              </a:rPr>
+            <a:endParaRPr lang="en-US" dirty="0"/>
+          </a:p>
+          <a:p>
+            <a:r>
+              <a:rPr lang="en-US" dirty="0"/>
               <a:t>Our Shield and Defender, </a:t>
             </a:r>
           </a:p>
           <a:p>
-            <a:pPr algn="ctr"/>
-            <a:r>
-              <a:rPr lang="en-US" sz="3600" dirty="0">
-                <a:solidFill>
-                  <a:schemeClr val="bg1"/>
-                </a:solidFill>
-              </a:rPr>
+            <a:r>
+              <a:rPr lang="en-US" dirty="0"/>
               <a:t>the Ancient of Days,</a:t>
             </a:r>
           </a:p>
           <a:p>
-            <a:pPr algn="ctr"/>
-            <a:r>
-              <a:rPr lang="en-US" sz="3600" dirty="0">
-                <a:solidFill>
-                  <a:schemeClr val="bg1"/>
-                </a:solidFill>
-              </a:rPr>
+            <a:r>
+              <a:rPr lang="en-US" dirty="0"/>
               <a:t>Pavilioned in splendor</a:t>
             </a:r>
           </a:p>
           <a:p>
-            <a:pPr algn="ctr"/>
-            <a:r>
-              <a:rPr lang="en-US" sz="3600" dirty="0">
-                <a:solidFill>
-                  <a:schemeClr val="bg1"/>
-                </a:solidFill>
-              </a:rPr>
+            <a:r>
+              <a:rPr lang="en-US" dirty="0"/>
               <a:t>And girded with praise.</a:t>
             </a:r>
           </a:p>
@@ -3271,15 +3249,23 @@
           <a:bodyPr wrap="square" rtlCol="0" anchor="ctr">
             <a:spAutoFit/>
           </a:bodyPr>
-          <a:lstStyle/>
-          <a:p>
-            <a:pPr algn="ctr"/>
-            <a:r>
-              <a:rPr lang="en-US" sz="4800" dirty="0">
+          <a:lstStyle>
+            <a:defPPr>
+              <a:defRPr lang="en-US"/>
+            </a:defPPr>
+            <a:lvl1pPr algn="ctr">
+              <a:defRPr sz="3200" u="sng">
                 <a:solidFill>
                   <a:schemeClr val="bg1"/>
                 </a:solidFill>
-              </a:rPr>
+                <a:latin typeface="Assistant SemiBold" panose="00000700000000000000" pitchFamily="2" charset="-79"/>
+                <a:cs typeface="Assistant SemiBold" panose="00000700000000000000" pitchFamily="2" charset="-79"/>
+              </a:defRPr>
+            </a:lvl1pPr>
+          </a:lstStyle>
+          <a:p>
+            <a:r>
+              <a:rPr lang="en-US" dirty="0"/>
               <a:t>“Oh, Worship the King!”</a:t>
             </a:r>
           </a:p>
@@ -3293,8 +3279,8 @@
         </p:nvSpPr>
         <p:spPr>
           <a:xfrm>
-            <a:off x="0" y="209062"/>
-            <a:ext cx="12192000" cy="5078313"/>
+            <a:off x="0" y="718050"/>
+            <a:ext cx="12192000" cy="3075453"/>
           </a:xfrm>
           <a:prstGeom prst="rect">
             <a:avLst/>
@@ -3305,100 +3291,68 @@
           <a:bodyPr wrap="square" rtlCol="0">
             <a:spAutoFit/>
           </a:bodyPr>
-          <a:lstStyle/>
-          <a:p>
-            <a:pPr algn="ctr"/>
-            <a:r>
-              <a:rPr lang="en-US" sz="3600" dirty="0">
+          <a:lstStyle>
+            <a:defPPr>
+              <a:defRPr lang="en-US"/>
+            </a:defPPr>
+            <a:lvl1pPr algn="ctr">
+              <a:defRPr sz="2800" spc="50">
                 <a:solidFill>
                   <a:schemeClr val="bg1"/>
                 </a:solidFill>
-              </a:rPr>
+                <a:latin typeface="Assistant" panose="00000500000000000000" pitchFamily="2" charset="-79"/>
+                <a:cs typeface="Assistant" panose="00000500000000000000" pitchFamily="2" charset="-79"/>
+              </a:defRPr>
+            </a:lvl1pPr>
+          </a:lstStyle>
+          <a:p>
+            <a:r>
+              <a:rPr lang="en-US" dirty="0"/>
               <a:t>Oh, tell of His might,</a:t>
             </a:r>
           </a:p>
           <a:p>
-            <a:pPr algn="ctr"/>
-            <a:r>
-              <a:rPr lang="en-US" sz="3600" dirty="0">
-                <a:solidFill>
-                  <a:schemeClr val="bg1"/>
-                </a:solidFill>
-              </a:rPr>
+            <a:r>
+              <a:rPr lang="en-US" dirty="0"/>
               <a:t>Oh sing of His grace,</a:t>
             </a:r>
           </a:p>
           <a:p>
-            <a:pPr algn="ctr"/>
-            <a:r>
-              <a:rPr lang="en-US" sz="3600" dirty="0">
-                <a:solidFill>
-                  <a:schemeClr val="bg1"/>
-                </a:solidFill>
-              </a:rPr>
+            <a:r>
+              <a:rPr lang="en-US" dirty="0"/>
               <a:t>Whose robe is the light,</a:t>
             </a:r>
           </a:p>
           <a:p>
-            <a:pPr algn="ctr"/>
-            <a:r>
-              <a:rPr lang="en-US" sz="3600" dirty="0">
-                <a:solidFill>
-                  <a:schemeClr val="bg1"/>
-                </a:solidFill>
-              </a:rPr>
+            <a:r>
+              <a:rPr lang="en-US" dirty="0"/>
               <a:t>Whose canopy, space;</a:t>
             </a:r>
           </a:p>
           <a:p>
-            <a:pPr algn="ctr"/>
-            <a:endParaRPr lang="en-US" sz="3600" dirty="0">
-              <a:solidFill>
-                <a:schemeClr val="bg1"/>
-              </a:solidFill>
-            </a:endParaRPr>
-          </a:p>
-          <a:p>
-            <a:pPr algn="ctr"/>
-            <a:r>
-              <a:rPr lang="en-US" sz="3600" dirty="0">
-                <a:solidFill>
-                  <a:schemeClr val="bg1"/>
-                </a:solidFill>
-              </a:rPr>
+            <a:endParaRPr lang="en-US" dirty="0"/>
+          </a:p>
+          <a:p>
+            <a:r>
+              <a:rPr lang="en-US" dirty="0"/>
               <a:t>His chariots of wrath </a:t>
             </a:r>
           </a:p>
           <a:p>
-            <a:pPr algn="ctr"/>
-            <a:r>
-              <a:rPr lang="en-US" sz="3600" dirty="0">
-                <a:solidFill>
-                  <a:schemeClr val="bg1"/>
-                </a:solidFill>
-              </a:rPr>
+            <a:r>
+              <a:rPr lang="en-US" dirty="0"/>
               <a:t>the deep thunder-clouds form,</a:t>
             </a:r>
           </a:p>
           <a:p>
-            <a:pPr algn="ctr"/>
-            <a:r>
-              <a:rPr lang="en-US" sz="3600" dirty="0">
-                <a:solidFill>
-                  <a:schemeClr val="bg1"/>
-                </a:solidFill>
-              </a:rPr>
+            <a:r>
+              <a:rPr lang="en-US" dirty="0"/>
               <a:t>And dark is His path</a:t>
             </a:r>
           </a:p>
           <a:p>
-            <a:pPr algn="ctr"/>
-            <a:r>
-              <a:rPr lang="en-US" sz="3600" dirty="0">
-                <a:solidFill>
-                  <a:schemeClr val="bg1"/>
-                </a:solidFill>
-              </a:rPr>
+            <a:r>
+              <a:rPr lang="en-US" dirty="0"/>
               <a:t>On the wings of the storm.</a:t>
             </a:r>
           </a:p>
@@ -3511,15 +3465,23 @@
           <a:bodyPr wrap="square" rtlCol="0" anchor="ctr">
             <a:spAutoFit/>
           </a:bodyPr>
-          <a:lstStyle/>
-          <a:p>
-            <a:pPr algn="ctr"/>
-            <a:r>
-              <a:rPr lang="en-US" sz="4800" dirty="0">
+          <a:lstStyle>
+            <a:defPPr>
+              <a:defRPr lang="en-US"/>
+            </a:defPPr>
+            <a:lvl1pPr algn="ctr">
+              <a:defRPr sz="3200" u="sng">
                 <a:solidFill>
                   <a:schemeClr val="bg1"/>
                 </a:solidFill>
-              </a:rPr>
+                <a:latin typeface="Assistant SemiBold" panose="00000700000000000000" pitchFamily="2" charset="-79"/>
+                <a:cs typeface="Assistant SemiBold" panose="00000700000000000000" pitchFamily="2" charset="-79"/>
+              </a:defRPr>
+            </a:lvl1pPr>
+          </a:lstStyle>
+          <a:p>
+            <a:r>
+              <a:rPr lang="en-US" dirty="0"/>
               <a:t>“Oh, Worship the King!”</a:t>
             </a:r>
           </a:p>
@@ -3533,8 +3495,8 @@
         </p:nvSpPr>
         <p:spPr>
           <a:xfrm>
-            <a:off x="0" y="222314"/>
-            <a:ext cx="12192000" cy="5078313"/>
+            <a:off x="0" y="731302"/>
+            <a:ext cx="12192000" cy="3075453"/>
           </a:xfrm>
           <a:prstGeom prst="rect">
             <a:avLst/>
@@ -3545,100 +3507,68 @@
           <a:bodyPr wrap="square" rtlCol="0">
             <a:spAutoFit/>
           </a:bodyPr>
-          <a:lstStyle/>
-          <a:p>
-            <a:pPr algn="ctr"/>
-            <a:r>
-              <a:rPr lang="en-US" sz="3600" dirty="0">
+          <a:lstStyle>
+            <a:defPPr>
+              <a:defRPr lang="en-US"/>
+            </a:defPPr>
+            <a:lvl1pPr algn="ctr">
+              <a:defRPr sz="2800" spc="50">
                 <a:solidFill>
                   <a:schemeClr val="bg1"/>
                 </a:solidFill>
-              </a:rPr>
+                <a:latin typeface="Assistant" panose="00000500000000000000" pitchFamily="2" charset="-79"/>
+                <a:cs typeface="Assistant" panose="00000500000000000000" pitchFamily="2" charset="-79"/>
+              </a:defRPr>
+            </a:lvl1pPr>
+          </a:lstStyle>
+          <a:p>
+            <a:r>
+              <a:rPr lang="en-US" dirty="0"/>
               <a:t>Thy bountiful care</a:t>
             </a:r>
           </a:p>
           <a:p>
-            <a:pPr algn="ctr"/>
-            <a:r>
-              <a:rPr lang="en-US" sz="3600" dirty="0">
-                <a:solidFill>
-                  <a:schemeClr val="bg1"/>
-                </a:solidFill>
-              </a:rPr>
+            <a:r>
+              <a:rPr lang="en-US" dirty="0"/>
               <a:t>What tongue can recite?</a:t>
             </a:r>
           </a:p>
           <a:p>
-            <a:pPr algn="ctr"/>
-            <a:r>
-              <a:rPr lang="en-US" sz="3600" dirty="0">
-                <a:solidFill>
-                  <a:schemeClr val="bg1"/>
-                </a:solidFill>
-              </a:rPr>
+            <a:r>
+              <a:rPr lang="en-US" dirty="0"/>
               <a:t>It breathes in the air,</a:t>
             </a:r>
           </a:p>
           <a:p>
-            <a:pPr algn="ctr"/>
-            <a:r>
-              <a:rPr lang="en-US" sz="3600" dirty="0">
-                <a:solidFill>
-                  <a:schemeClr val="bg1"/>
-                </a:solidFill>
-              </a:rPr>
+            <a:r>
+              <a:rPr lang="en-US" dirty="0"/>
               <a:t>It shines in the light,</a:t>
             </a:r>
           </a:p>
           <a:p>
-            <a:pPr algn="ctr"/>
-            <a:endParaRPr lang="en-US" sz="3600" dirty="0">
-              <a:solidFill>
-                <a:schemeClr val="bg1"/>
-              </a:solidFill>
-            </a:endParaRPr>
-          </a:p>
-          <a:p>
-            <a:pPr algn="ctr"/>
-            <a:r>
-              <a:rPr lang="en-US" sz="3600" dirty="0">
-                <a:solidFill>
-                  <a:schemeClr val="bg1"/>
-                </a:solidFill>
-              </a:rPr>
+            <a:endParaRPr lang="en-US" dirty="0"/>
+          </a:p>
+          <a:p>
+            <a:r>
+              <a:rPr lang="en-US" dirty="0"/>
               <a:t>It streams from the hills, </a:t>
             </a:r>
           </a:p>
           <a:p>
-            <a:pPr algn="ctr"/>
-            <a:r>
-              <a:rPr lang="en-US" sz="3600" dirty="0">
-                <a:solidFill>
-                  <a:schemeClr val="bg1"/>
-                </a:solidFill>
-              </a:rPr>
+            <a:r>
+              <a:rPr lang="en-US" dirty="0"/>
               <a:t>it descends to the plain,</a:t>
             </a:r>
           </a:p>
           <a:p>
-            <a:pPr algn="ctr"/>
-            <a:r>
-              <a:rPr lang="en-US" sz="3600" dirty="0">
-                <a:solidFill>
-                  <a:schemeClr val="bg1"/>
-                </a:solidFill>
-              </a:rPr>
+            <a:r>
+              <a:rPr lang="en-US" dirty="0"/>
               <a:t>And sweetly distills</a:t>
             </a:r>
           </a:p>
           <a:p>
-            <a:pPr algn="ctr"/>
-            <a:r>
-              <a:rPr lang="en-US" sz="3600" dirty="0">
-                <a:solidFill>
-                  <a:schemeClr val="bg1"/>
-                </a:solidFill>
-              </a:rPr>
+            <a:r>
+              <a:rPr lang="en-US" dirty="0"/>
               <a:t>In the dew and the rain.</a:t>
             </a:r>
           </a:p>
@@ -3751,15 +3681,23 @@
           <a:bodyPr wrap="square" rtlCol="0" anchor="ctr">
             <a:spAutoFit/>
           </a:bodyPr>
-          <a:lstStyle/>
-          <a:p>
-            <a:pPr algn="ctr"/>
-            <a:r>
-              <a:rPr lang="en-US" sz="4800" dirty="0">
+          <a:lstStyle>
+            <a:defPPr>
+              <a:defRPr lang="en-US"/>
+            </a:defPPr>
+            <a:lvl1pPr algn="ctr">
+              <a:defRPr sz="3200" u="sng">
                 <a:solidFill>
                   <a:schemeClr val="bg1"/>
                 </a:solidFill>
-              </a:rPr>
+                <a:latin typeface="Assistant SemiBold" panose="00000700000000000000" pitchFamily="2" charset="-79"/>
+                <a:cs typeface="Assistant SemiBold" panose="00000700000000000000" pitchFamily="2" charset="-79"/>
+              </a:defRPr>
+            </a:lvl1pPr>
+          </a:lstStyle>
+          <a:p>
+            <a:r>
+              <a:rPr lang="en-US" dirty="0"/>
               <a:t>“Oh, Worship the King!”</a:t>
             </a:r>
           </a:p>
@@ -3773,8 +3711,8 @@
         </p:nvSpPr>
         <p:spPr>
           <a:xfrm>
-            <a:off x="0" y="222314"/>
-            <a:ext cx="12192000" cy="5078313"/>
+            <a:off x="0" y="731302"/>
+            <a:ext cx="12192000" cy="3075453"/>
           </a:xfrm>
           <a:prstGeom prst="rect">
             <a:avLst/>
@@ -3785,100 +3723,68 @@
           <a:bodyPr wrap="square" rtlCol="0">
             <a:spAutoFit/>
           </a:bodyPr>
-          <a:lstStyle/>
-          <a:p>
-            <a:pPr algn="ctr"/>
-            <a:r>
-              <a:rPr lang="en-US" sz="3600" dirty="0">
+          <a:lstStyle>
+            <a:defPPr>
+              <a:defRPr lang="en-US"/>
+            </a:defPPr>
+            <a:lvl1pPr algn="ctr">
+              <a:defRPr sz="2800" spc="50">
                 <a:solidFill>
                   <a:schemeClr val="bg1"/>
                 </a:solidFill>
-              </a:rPr>
+                <a:latin typeface="Assistant" panose="00000500000000000000" pitchFamily="2" charset="-79"/>
+                <a:cs typeface="Assistant" panose="00000500000000000000" pitchFamily="2" charset="-79"/>
+              </a:defRPr>
+            </a:lvl1pPr>
+          </a:lstStyle>
+          <a:p>
+            <a:r>
+              <a:rPr lang="en-US" dirty="0"/>
               <a:t>Frail children of dust,</a:t>
             </a:r>
           </a:p>
           <a:p>
-            <a:pPr algn="ctr"/>
-            <a:r>
-              <a:rPr lang="en-US" sz="3600" dirty="0">
-                <a:solidFill>
-                  <a:schemeClr val="bg1"/>
-                </a:solidFill>
-              </a:rPr>
+            <a:r>
+              <a:rPr lang="en-US" dirty="0"/>
               <a:t>And feeble as frail,</a:t>
             </a:r>
           </a:p>
           <a:p>
-            <a:pPr algn="ctr"/>
-            <a:r>
-              <a:rPr lang="en-US" sz="3600" dirty="0">
-                <a:solidFill>
-                  <a:schemeClr val="bg1"/>
-                </a:solidFill>
-              </a:rPr>
+            <a:r>
+              <a:rPr lang="en-US" dirty="0"/>
               <a:t>In Thee do we trust,</a:t>
             </a:r>
           </a:p>
           <a:p>
-            <a:pPr algn="ctr"/>
-            <a:r>
-              <a:rPr lang="en-US" sz="3600" dirty="0">
-                <a:solidFill>
-                  <a:schemeClr val="bg1"/>
-                </a:solidFill>
-              </a:rPr>
+            <a:r>
+              <a:rPr lang="en-US" dirty="0"/>
               <a:t>Nor find Thee to fail.</a:t>
             </a:r>
           </a:p>
           <a:p>
-            <a:pPr algn="ctr"/>
-            <a:endParaRPr lang="en-US" sz="3600" dirty="0">
-              <a:solidFill>
-                <a:schemeClr val="bg1"/>
-              </a:solidFill>
-            </a:endParaRPr>
-          </a:p>
-          <a:p>
-            <a:pPr algn="ctr"/>
-            <a:r>
-              <a:rPr lang="en-US" sz="3600" dirty="0">
-                <a:solidFill>
-                  <a:schemeClr val="bg1"/>
-                </a:solidFill>
-              </a:rPr>
+            <a:endParaRPr lang="en-US" dirty="0"/>
+          </a:p>
+          <a:p>
+            <a:r>
+              <a:rPr lang="en-US" dirty="0"/>
               <a:t>Thy mercies how tender,</a:t>
             </a:r>
           </a:p>
           <a:p>
-            <a:pPr algn="ctr"/>
-            <a:r>
-              <a:rPr lang="en-US" sz="3600" dirty="0">
-                <a:solidFill>
-                  <a:schemeClr val="bg1"/>
-                </a:solidFill>
-              </a:rPr>
+            <a:r>
+              <a:rPr lang="en-US" dirty="0"/>
               <a:t>How firm to the end;</a:t>
             </a:r>
           </a:p>
           <a:p>
-            <a:pPr algn="ctr"/>
-            <a:r>
-              <a:rPr lang="en-US" sz="3600" dirty="0">
-                <a:solidFill>
-                  <a:schemeClr val="bg1"/>
-                </a:solidFill>
-              </a:rPr>
+            <a:r>
+              <a:rPr lang="en-US" dirty="0"/>
               <a:t>Our Maker, Defender,</a:t>
             </a:r>
           </a:p>
           <a:p>
-            <a:pPr algn="ctr"/>
-            <a:r>
-              <a:rPr lang="en-US" sz="3600" dirty="0">
-                <a:solidFill>
-                  <a:schemeClr val="bg1"/>
-                </a:solidFill>
-              </a:rPr>
+            <a:r>
+              <a:rPr lang="en-US" dirty="0"/>
               <a:t>Redeemer, and Friend!</a:t>
             </a:r>
           </a:p>
